--- a/BP/火-消防.pptx
+++ b/BP/火-消防.pptx
@@ -10,6 +10,10 @@
     <p:sldId id="258" r:id="rId4"/>
     <p:sldId id="259" r:id="rId5"/>
     <p:sldId id="260" r:id="rId6"/>
+    <p:sldId id="261" r:id="rId7"/>
+    <p:sldId id="262" r:id="rId8"/>
+    <p:sldId id="263" r:id="rId9"/>
+    <p:sldId id="264" r:id="rId10"/>
   </p:sldIdLst>
   <p:sldSz cx="12192000" cy="6858000"/>
   <p:notesSz cx="6858000" cy="9144000"/>
@@ -108,6 +112,11 @@
       </a:defRPr>
     </a:lvl9pPr>
   </p:defaultTextStyle>
+  <p:extLst>
+    <p:ext uri="{EFAFB233-063F-42B5-8137-9DF3F51BA10A}">
+      <p15:sldGuideLst xmlns:p15="http://schemas.microsoft.com/office/powerpoint/2012/main"/>
+    </p:ext>
+  </p:extLst>
 </p:presentation>
 </file>
 
@@ -262,7 +271,7 @@
           <a:p>
             <a:fld id="{EB313C6B-5E26-484E-A91A-1C1AB2D0FA14}" type="datetimeFigureOut">
               <a:rPr lang="zh-CN" altLang="en-US" smtClean="0"/>
-              <a:t>2017/12/12</a:t>
+              <a:t>2017/12/16</a:t>
             </a:fld>
             <a:endParaRPr lang="zh-CN" altLang="en-US"/>
           </a:p>
@@ -460,7 +469,7 @@
           <a:p>
             <a:fld id="{EB313C6B-5E26-484E-A91A-1C1AB2D0FA14}" type="datetimeFigureOut">
               <a:rPr lang="zh-CN" altLang="en-US" smtClean="0"/>
-              <a:t>2017/12/12</a:t>
+              <a:t>2017/12/16</a:t>
             </a:fld>
             <a:endParaRPr lang="zh-CN" altLang="en-US"/>
           </a:p>
@@ -668,7 +677,7 @@
           <a:p>
             <a:fld id="{EB313C6B-5E26-484E-A91A-1C1AB2D0FA14}" type="datetimeFigureOut">
               <a:rPr lang="zh-CN" altLang="en-US" smtClean="0"/>
-              <a:t>2017/12/12</a:t>
+              <a:t>2017/12/16</a:t>
             </a:fld>
             <a:endParaRPr lang="zh-CN" altLang="en-US"/>
           </a:p>
@@ -866,7 +875,7 @@
           <a:p>
             <a:fld id="{EB313C6B-5E26-484E-A91A-1C1AB2D0FA14}" type="datetimeFigureOut">
               <a:rPr lang="zh-CN" altLang="en-US" smtClean="0"/>
-              <a:t>2017/12/12</a:t>
+              <a:t>2017/12/16</a:t>
             </a:fld>
             <a:endParaRPr lang="zh-CN" altLang="en-US"/>
           </a:p>
@@ -1141,7 +1150,7 @@
           <a:p>
             <a:fld id="{EB313C6B-5E26-484E-A91A-1C1AB2D0FA14}" type="datetimeFigureOut">
               <a:rPr lang="zh-CN" altLang="en-US" smtClean="0"/>
-              <a:t>2017/12/12</a:t>
+              <a:t>2017/12/16</a:t>
             </a:fld>
             <a:endParaRPr lang="zh-CN" altLang="en-US"/>
           </a:p>
@@ -1406,7 +1415,7 @@
           <a:p>
             <a:fld id="{EB313C6B-5E26-484E-A91A-1C1AB2D0FA14}" type="datetimeFigureOut">
               <a:rPr lang="zh-CN" altLang="en-US" smtClean="0"/>
-              <a:t>2017/12/12</a:t>
+              <a:t>2017/12/16</a:t>
             </a:fld>
             <a:endParaRPr lang="zh-CN" altLang="en-US"/>
           </a:p>
@@ -1818,7 +1827,7 @@
           <a:p>
             <a:fld id="{EB313C6B-5E26-484E-A91A-1C1AB2D0FA14}" type="datetimeFigureOut">
               <a:rPr lang="zh-CN" altLang="en-US" smtClean="0"/>
-              <a:t>2017/12/12</a:t>
+              <a:t>2017/12/16</a:t>
             </a:fld>
             <a:endParaRPr lang="zh-CN" altLang="en-US"/>
           </a:p>
@@ -1959,7 +1968,7 @@
           <a:p>
             <a:fld id="{EB313C6B-5E26-484E-A91A-1C1AB2D0FA14}" type="datetimeFigureOut">
               <a:rPr lang="zh-CN" altLang="en-US" smtClean="0"/>
-              <a:t>2017/12/12</a:t>
+              <a:t>2017/12/16</a:t>
             </a:fld>
             <a:endParaRPr lang="zh-CN" altLang="en-US"/>
           </a:p>
@@ -2072,7 +2081,7 @@
           <a:p>
             <a:fld id="{EB313C6B-5E26-484E-A91A-1C1AB2D0FA14}" type="datetimeFigureOut">
               <a:rPr lang="zh-CN" altLang="en-US" smtClean="0"/>
-              <a:t>2017/12/12</a:t>
+              <a:t>2017/12/16</a:t>
             </a:fld>
             <a:endParaRPr lang="zh-CN" altLang="en-US"/>
           </a:p>
@@ -2383,7 +2392,7 @@
           <a:p>
             <a:fld id="{EB313C6B-5E26-484E-A91A-1C1AB2D0FA14}" type="datetimeFigureOut">
               <a:rPr lang="zh-CN" altLang="en-US" smtClean="0"/>
-              <a:t>2017/12/12</a:t>
+              <a:t>2017/12/16</a:t>
             </a:fld>
             <a:endParaRPr lang="zh-CN" altLang="en-US"/>
           </a:p>
@@ -2671,7 +2680,7 @@
           <a:p>
             <a:fld id="{EB313C6B-5E26-484E-A91A-1C1AB2D0FA14}" type="datetimeFigureOut">
               <a:rPr lang="zh-CN" altLang="en-US" smtClean="0"/>
-              <a:t>2017/12/12</a:t>
+              <a:t>2017/12/16</a:t>
             </a:fld>
             <a:endParaRPr lang="zh-CN" altLang="en-US"/>
           </a:p>
@@ -2912,7 +2921,7 @@
           <a:p>
             <a:fld id="{EB313C6B-5E26-484E-A91A-1C1AB2D0FA14}" type="datetimeFigureOut">
               <a:rPr lang="zh-CN" altLang="en-US" smtClean="0"/>
-              <a:t>2017/12/12</a:t>
+              <a:t>2017/12/16</a:t>
             </a:fld>
             <a:endParaRPr lang="zh-CN" altLang="en-US"/>
           </a:p>
@@ -3425,7 +3434,7 @@
             <a:spLocks noGrp="1"/>
           </p:cNvSpPr>
           <p:nvPr>
-            <p:ph type="title"/>
+            <p:ph type="ctrTitle"/>
           </p:nvPr>
         </p:nvSpPr>
         <p:spPr/>
@@ -3442,18 +3451,18 @@
       </p:sp>
       <p:sp>
         <p:nvSpPr>
-          <p:cNvPr id="3" name="内容占位符 2">
-            <a:extLst>
-              <a:ext uri="{FF2B5EF4-FFF2-40B4-BE49-F238E27FC236}">
-                <a16:creationId xmlns:a16="http://schemas.microsoft.com/office/drawing/2014/main" id="{4C249AFA-AB82-465E-9379-A03DBD1CC092}"/>
-              </a:ext>
-            </a:extLst>
-          </p:cNvPr>
-          <p:cNvSpPr>
-            <a:spLocks noGrp="1"/>
-          </p:cNvSpPr>
-          <p:nvPr>
-            <p:ph idx="1"/>
+          <p:cNvPr id="4" name="副标题 3">
+            <a:extLst>
+              <a:ext uri="{FF2B5EF4-FFF2-40B4-BE49-F238E27FC236}">
+                <a16:creationId xmlns:a16="http://schemas.microsoft.com/office/drawing/2014/main" id="{3CF316DF-73E3-457C-B949-294D275F4B62}"/>
+              </a:ext>
+            </a:extLst>
+          </p:cNvPr>
+          <p:cNvSpPr>
+            <a:spLocks noGrp="1"/>
+          </p:cNvSpPr>
+          <p:nvPr>
+            <p:ph type="subTitle" idx="1"/>
           </p:nvPr>
         </p:nvSpPr>
         <p:spPr/>
@@ -3508,7 +3517,7 @@
             <a:spLocks noGrp="1"/>
           </p:cNvSpPr>
           <p:nvPr>
-            <p:ph type="title"/>
+            <p:ph type="ctrTitle"/>
           </p:nvPr>
         </p:nvSpPr>
         <p:spPr/>
@@ -3525,18 +3534,18 @@
       </p:sp>
       <p:sp>
         <p:nvSpPr>
-          <p:cNvPr id="3" name="内容占位符 2">
-            <a:extLst>
-              <a:ext uri="{FF2B5EF4-FFF2-40B4-BE49-F238E27FC236}">
-                <a16:creationId xmlns:a16="http://schemas.microsoft.com/office/drawing/2014/main" id="{A3814303-51F0-4B11-8CE2-7536A5FF5B20}"/>
-              </a:ext>
-            </a:extLst>
-          </p:cNvPr>
-          <p:cNvSpPr>
-            <a:spLocks noGrp="1"/>
-          </p:cNvSpPr>
-          <p:nvPr>
-            <p:ph idx="1"/>
+          <p:cNvPr id="4" name="副标题 3">
+            <a:extLst>
+              <a:ext uri="{FF2B5EF4-FFF2-40B4-BE49-F238E27FC236}">
+                <a16:creationId xmlns:a16="http://schemas.microsoft.com/office/drawing/2014/main" id="{CE0ECE61-E4EF-4BFA-84CA-3F1E6BC98B87}"/>
+              </a:ext>
+            </a:extLst>
+          </p:cNvPr>
+          <p:cNvSpPr>
+            <a:spLocks noGrp="1"/>
+          </p:cNvSpPr>
+          <p:nvPr>
+            <p:ph type="subTitle" idx="1"/>
           </p:nvPr>
         </p:nvSpPr>
         <p:spPr/>
@@ -3591,7 +3600,7 @@
             <a:spLocks noGrp="1"/>
           </p:cNvSpPr>
           <p:nvPr>
-            <p:ph type="title"/>
+            <p:ph type="ctrTitle"/>
           </p:nvPr>
         </p:nvSpPr>
         <p:spPr/>
@@ -3608,18 +3617,18 @@
       </p:sp>
       <p:sp>
         <p:nvSpPr>
-          <p:cNvPr id="3" name="内容占位符 2">
-            <a:extLst>
-              <a:ext uri="{FF2B5EF4-FFF2-40B4-BE49-F238E27FC236}">
-                <a16:creationId xmlns:a16="http://schemas.microsoft.com/office/drawing/2014/main" id="{E0CAFAC1-7AB1-4EC0-A59F-B17EDA713F35}"/>
-              </a:ext>
-            </a:extLst>
-          </p:cNvPr>
-          <p:cNvSpPr>
-            <a:spLocks noGrp="1"/>
-          </p:cNvSpPr>
-          <p:nvPr>
-            <p:ph idx="1"/>
+          <p:cNvPr id="4" name="副标题 3">
+            <a:extLst>
+              <a:ext uri="{FF2B5EF4-FFF2-40B4-BE49-F238E27FC236}">
+                <a16:creationId xmlns:a16="http://schemas.microsoft.com/office/drawing/2014/main" id="{3B37030F-2293-4880-8BF8-C5F6BC0EBEC9}"/>
+              </a:ext>
+            </a:extLst>
+          </p:cNvPr>
+          <p:cNvSpPr>
+            <a:spLocks noGrp="1"/>
+          </p:cNvSpPr>
+          <p:nvPr>
+            <p:ph type="subTitle" idx="1"/>
           </p:nvPr>
         </p:nvSpPr>
         <p:spPr/>
@@ -3682,7 +3691,10 @@
           <a:bodyPr/>
           <a:lstStyle/>
           <a:p>
-            <a:endParaRPr lang="zh-CN" altLang="en-US" dirty="0"/>
+            <a:r>
+              <a:rPr lang="zh-CN" altLang="en-US" dirty="0"/>
+              <a:t>小富实业有成，但空虚，忧心</a:t>
+            </a:r>
           </a:p>
         </p:txBody>
       </p:sp>
@@ -3715,6 +3727,388 @@
     <p:extLst>
       <p:ext uri="{BB962C8B-B14F-4D97-AF65-F5344CB8AC3E}">
         <p14:creationId xmlns:p14="http://schemas.microsoft.com/office/powerpoint/2010/main" val="3941253228"/>
+      </p:ext>
+    </p:extLst>
+  </p:cSld>
+  <p:clrMapOvr>
+    <a:masterClrMapping/>
+  </p:clrMapOvr>
+</p:sld>
+</file>
+
+<file path=ppt/slides/slide6.xml><?xml version="1.0" encoding="utf-8"?>
+<p:sld xmlns:a="http://schemas.openxmlformats.org/drawingml/2006/main" xmlns:r="http://schemas.openxmlformats.org/officeDocument/2006/relationships" xmlns:p="http://schemas.openxmlformats.org/presentationml/2006/main">
+  <p:cSld>
+    <p:spTree>
+      <p:nvGrpSpPr>
+        <p:cNvPr id="1" name=""/>
+        <p:cNvGrpSpPr/>
+        <p:nvPr/>
+      </p:nvGrpSpPr>
+      <p:grpSpPr>
+        <a:xfrm>
+          <a:off x="0" y="0"/>
+          <a:ext cx="0" cy="0"/>
+          <a:chOff x="0" y="0"/>
+          <a:chExt cx="0" cy="0"/>
+        </a:xfrm>
+      </p:grpSpPr>
+      <p:sp>
+        <p:nvSpPr>
+          <p:cNvPr id="2" name="标题 1">
+            <a:extLst>
+              <a:ext uri="{FF2B5EF4-FFF2-40B4-BE49-F238E27FC236}">
+                <a16:creationId xmlns:a16="http://schemas.microsoft.com/office/drawing/2014/main" id="{152641C2-4B88-4E1E-81FE-4D9E1B24858F}"/>
+              </a:ext>
+            </a:extLst>
+          </p:cNvPr>
+          <p:cNvSpPr>
+            <a:spLocks noGrp="1"/>
+          </p:cNvSpPr>
+          <p:nvPr>
+            <p:ph type="title"/>
+          </p:nvPr>
+        </p:nvSpPr>
+        <p:spPr/>
+        <p:txBody>
+          <a:bodyPr/>
+          <a:lstStyle/>
+          <a:p>
+            <a:r>
+              <a:rPr lang="zh-CN" altLang="en-US" dirty="0"/>
+              <a:t>灾难发生，靠对火焰的认识救出的挚爱的亲人</a:t>
+            </a:r>
+          </a:p>
+        </p:txBody>
+      </p:sp>
+      <p:sp>
+        <p:nvSpPr>
+          <p:cNvPr id="3" name="内容占位符 2">
+            <a:extLst>
+              <a:ext uri="{FF2B5EF4-FFF2-40B4-BE49-F238E27FC236}">
+                <a16:creationId xmlns:a16="http://schemas.microsoft.com/office/drawing/2014/main" id="{CBB4A94A-099F-4A42-B0CD-B02A7EA3B271}"/>
+              </a:ext>
+            </a:extLst>
+          </p:cNvPr>
+          <p:cNvSpPr>
+            <a:spLocks noGrp="1"/>
+          </p:cNvSpPr>
+          <p:nvPr>
+            <p:ph idx="1"/>
+          </p:nvPr>
+        </p:nvSpPr>
+        <p:spPr/>
+        <p:txBody>
+          <a:bodyPr/>
+          <a:lstStyle/>
+          <a:p>
+            <a:endParaRPr lang="zh-CN" altLang="en-US"/>
+          </a:p>
+        </p:txBody>
+      </p:sp>
+    </p:spTree>
+    <p:extLst>
+      <p:ext uri="{BB962C8B-B14F-4D97-AF65-F5344CB8AC3E}">
+        <p14:creationId xmlns:p14="http://schemas.microsoft.com/office/powerpoint/2010/main" val="1328013973"/>
+      </p:ext>
+    </p:extLst>
+  </p:cSld>
+  <p:clrMapOvr>
+    <a:masterClrMapping/>
+  </p:clrMapOvr>
+</p:sld>
+</file>
+
+<file path=ppt/slides/slide7.xml><?xml version="1.0" encoding="utf-8"?>
+<p:sld xmlns:a="http://schemas.openxmlformats.org/drawingml/2006/main" xmlns:r="http://schemas.openxmlformats.org/officeDocument/2006/relationships" xmlns:p="http://schemas.openxmlformats.org/presentationml/2006/main">
+  <p:cSld>
+    <p:spTree>
+      <p:nvGrpSpPr>
+        <p:cNvPr id="1" name=""/>
+        <p:cNvGrpSpPr/>
+        <p:nvPr/>
+      </p:nvGrpSpPr>
+      <p:grpSpPr>
+        <a:xfrm>
+          <a:off x="0" y="0"/>
+          <a:ext cx="0" cy="0"/>
+          <a:chOff x="0" y="0"/>
+          <a:chExt cx="0" cy="0"/>
+        </a:xfrm>
+      </p:grpSpPr>
+      <p:sp>
+        <p:nvSpPr>
+          <p:cNvPr id="2" name="标题 1">
+            <a:extLst>
+              <a:ext uri="{FF2B5EF4-FFF2-40B4-BE49-F238E27FC236}">
+                <a16:creationId xmlns:a16="http://schemas.microsoft.com/office/drawing/2014/main" id="{F1CD1636-BCE4-4527-AA35-5A8B5483CBCF}"/>
+              </a:ext>
+            </a:extLst>
+          </p:cNvPr>
+          <p:cNvSpPr>
+            <a:spLocks noGrp="1"/>
+          </p:cNvSpPr>
+          <p:nvPr>
+            <p:ph type="title"/>
+          </p:nvPr>
+        </p:nvSpPr>
+        <p:spPr/>
+        <p:txBody>
+          <a:bodyPr>
+            <a:normAutofit fontScale="90000"/>
+          </a:bodyPr>
+          <a:lstStyle/>
+          <a:p>
+            <a:r>
+              <a:rPr lang="zh-CN" altLang="en-US" dirty="0"/>
+              <a:t>财产损失了，但心中被充满责任感、使命感充满，认识到靠远古的记忆逃生、救人，但很多记忆仍遗忘于过去，</a:t>
+            </a:r>
+          </a:p>
+        </p:txBody>
+      </p:sp>
+      <p:sp>
+        <p:nvSpPr>
+          <p:cNvPr id="3" name="内容占位符 2">
+            <a:extLst>
+              <a:ext uri="{FF2B5EF4-FFF2-40B4-BE49-F238E27FC236}">
+                <a16:creationId xmlns:a16="http://schemas.microsoft.com/office/drawing/2014/main" id="{B65774F3-B341-40C0-86A2-F0C20F4BAAD8}"/>
+              </a:ext>
+            </a:extLst>
+          </p:cNvPr>
+          <p:cNvSpPr>
+            <a:spLocks noGrp="1"/>
+          </p:cNvSpPr>
+          <p:nvPr>
+            <p:ph idx="1"/>
+          </p:nvPr>
+        </p:nvSpPr>
+        <p:spPr/>
+        <p:txBody>
+          <a:bodyPr/>
+          <a:lstStyle/>
+          <a:p>
+            <a:endParaRPr lang="zh-CN" altLang="en-US" dirty="0"/>
+          </a:p>
+        </p:txBody>
+      </p:sp>
+    </p:spTree>
+    <p:extLst>
+      <p:ext uri="{BB962C8B-B14F-4D97-AF65-F5344CB8AC3E}">
+        <p14:creationId xmlns:p14="http://schemas.microsoft.com/office/powerpoint/2010/main" val="294420668"/>
+      </p:ext>
+    </p:extLst>
+  </p:cSld>
+  <p:clrMapOvr>
+    <a:masterClrMapping/>
+  </p:clrMapOvr>
+</p:sld>
+</file>
+
+<file path=ppt/slides/slide8.xml><?xml version="1.0" encoding="utf-8"?>
+<p:sld xmlns:a="http://schemas.openxmlformats.org/drawingml/2006/main" xmlns:r="http://schemas.openxmlformats.org/officeDocument/2006/relationships" xmlns:p="http://schemas.openxmlformats.org/presentationml/2006/main">
+  <p:cSld>
+    <p:spTree>
+      <p:nvGrpSpPr>
+        <p:cNvPr id="1" name=""/>
+        <p:cNvGrpSpPr/>
+        <p:nvPr/>
+      </p:nvGrpSpPr>
+      <p:grpSpPr>
+        <a:xfrm>
+          <a:off x="0" y="0"/>
+          <a:ext cx="0" cy="0"/>
+          <a:chOff x="0" y="0"/>
+          <a:chExt cx="0" cy="0"/>
+        </a:xfrm>
+      </p:grpSpPr>
+      <p:sp>
+        <p:nvSpPr>
+          <p:cNvPr id="2" name="标题 1">
+            <a:extLst>
+              <a:ext uri="{FF2B5EF4-FFF2-40B4-BE49-F238E27FC236}">
+                <a16:creationId xmlns:a16="http://schemas.microsoft.com/office/drawing/2014/main" id="{69FF3E36-06A7-48F5-BDFF-18B35A52A021}"/>
+              </a:ext>
+            </a:extLst>
+          </p:cNvPr>
+          <p:cNvSpPr>
+            <a:spLocks noGrp="1"/>
+          </p:cNvSpPr>
+          <p:nvPr>
+            <p:ph type="title"/>
+          </p:nvPr>
+        </p:nvSpPr>
+        <p:spPr/>
+        <p:txBody>
+          <a:bodyPr/>
+          <a:lstStyle/>
+          <a:p>
+            <a:br>
+              <a:rPr lang="zh-CN" altLang="en-US" dirty="0"/>
+            </a:br>
+            <a:r>
+              <a:rPr lang="zh-CN" altLang="en-US" dirty="0"/>
+              <a:t>怎么才能在把火焰掌控？学去吧</a:t>
+            </a:r>
+          </a:p>
+        </p:txBody>
+      </p:sp>
+      <p:sp>
+        <p:nvSpPr>
+          <p:cNvPr id="3" name="内容占位符 2">
+            <a:extLst>
+              <a:ext uri="{FF2B5EF4-FFF2-40B4-BE49-F238E27FC236}">
+                <a16:creationId xmlns:a16="http://schemas.microsoft.com/office/drawing/2014/main" id="{D74D992F-C4AB-4A2F-B3ED-943C49C3E6DF}"/>
+              </a:ext>
+            </a:extLst>
+          </p:cNvPr>
+          <p:cNvSpPr>
+            <a:spLocks noGrp="1"/>
+          </p:cNvSpPr>
+          <p:nvPr>
+            <p:ph idx="1"/>
+          </p:nvPr>
+        </p:nvSpPr>
+        <p:spPr/>
+        <p:txBody>
+          <a:bodyPr/>
+          <a:lstStyle/>
+          <a:p>
+            <a:endParaRPr lang="zh-CN" altLang="en-US"/>
+          </a:p>
+        </p:txBody>
+      </p:sp>
+    </p:spTree>
+    <p:extLst>
+      <p:ext uri="{BB962C8B-B14F-4D97-AF65-F5344CB8AC3E}">
+        <p14:creationId xmlns:p14="http://schemas.microsoft.com/office/powerpoint/2010/main" val="2279575333"/>
+      </p:ext>
+    </p:extLst>
+  </p:cSld>
+  <p:clrMapOvr>
+    <a:masterClrMapping/>
+  </p:clrMapOvr>
+</p:sld>
+</file>
+
+<file path=ppt/slides/slide9.xml><?xml version="1.0" encoding="utf-8"?>
+<p:sld xmlns:a="http://schemas.openxmlformats.org/drawingml/2006/main" xmlns:r="http://schemas.openxmlformats.org/officeDocument/2006/relationships" xmlns:p="http://schemas.openxmlformats.org/presentationml/2006/main">
+  <p:cSld>
+    <p:spTree>
+      <p:nvGrpSpPr>
+        <p:cNvPr id="1" name=""/>
+        <p:cNvGrpSpPr/>
+        <p:nvPr/>
+      </p:nvGrpSpPr>
+      <p:grpSpPr>
+        <a:xfrm>
+          <a:off x="0" y="0"/>
+          <a:ext cx="0" cy="0"/>
+          <a:chOff x="0" y="0"/>
+          <a:chExt cx="0" cy="0"/>
+        </a:xfrm>
+      </p:grpSpPr>
+      <p:sp>
+        <p:nvSpPr>
+          <p:cNvPr id="2" name="标题 1">
+            <a:extLst>
+              <a:ext uri="{FF2B5EF4-FFF2-40B4-BE49-F238E27FC236}">
+                <a16:creationId xmlns:a16="http://schemas.microsoft.com/office/drawing/2014/main" id="{6C47C592-B725-4DA2-96D5-91167516D8AD}"/>
+              </a:ext>
+            </a:extLst>
+          </p:cNvPr>
+          <p:cNvSpPr>
+            <a:spLocks noGrp="1"/>
+          </p:cNvSpPr>
+          <p:nvPr>
+            <p:ph type="title"/>
+          </p:nvPr>
+        </p:nvSpPr>
+        <p:spPr/>
+        <p:txBody>
+          <a:bodyPr/>
+          <a:lstStyle/>
+          <a:p>
+            <a:endParaRPr lang="zh-CN" altLang="en-US"/>
+          </a:p>
+        </p:txBody>
+      </p:sp>
+      <p:sp>
+        <p:nvSpPr>
+          <p:cNvPr id="3" name="内容占位符 2">
+            <a:extLst>
+              <a:ext uri="{FF2B5EF4-FFF2-40B4-BE49-F238E27FC236}">
+                <a16:creationId xmlns:a16="http://schemas.microsoft.com/office/drawing/2014/main" id="{B2BB048F-C810-4863-AAA5-30B54A2EAE61}"/>
+              </a:ext>
+            </a:extLst>
+          </p:cNvPr>
+          <p:cNvSpPr>
+            <a:spLocks noGrp="1"/>
+          </p:cNvSpPr>
+          <p:nvPr>
+            <p:ph idx="1"/>
+          </p:nvPr>
+        </p:nvSpPr>
+        <p:spPr/>
+        <p:txBody>
+          <a:bodyPr/>
+          <a:lstStyle/>
+          <a:p>
+            <a:r>
+              <a:rPr lang="zh-CN" altLang="en-US" dirty="0"/>
+              <a:t>用第二人称叙述还是第三人称？</a:t>
+            </a:r>
+          </a:p>
+          <a:p>
+            <a:r>
+              <a:rPr lang="zh-CN" altLang="en-US" dirty="0"/>
+              <a:t>故事</a:t>
+            </a:r>
+            <a:r>
+              <a:rPr lang="en-US" altLang="zh-CN" dirty="0"/>
+              <a:t>1</a:t>
+            </a:r>
+            <a:r>
+              <a:rPr lang="zh-CN" altLang="en-US" dirty="0"/>
+              <a:t>里面的现状描述为如何才能最大面的覆盖人们的同理心。物质和精神的冲突要多深刻？有钱但是对家人冷漠？还是只是因为责任感冥冥中担心对火没有远古时代那么强的掌控？</a:t>
+            </a:r>
+          </a:p>
+          <a:p>
+            <a:r>
+              <a:rPr lang="zh-CN" altLang="en-US" dirty="0"/>
+              <a:t>故事</a:t>
+            </a:r>
+            <a:r>
+              <a:rPr lang="en-US" altLang="zh-CN" dirty="0"/>
+              <a:t>2</a:t>
+            </a:r>
+            <a:r>
+              <a:rPr lang="zh-CN" altLang="en-US" dirty="0"/>
+              <a:t>里面的灾难要多惨烈？</a:t>
+            </a:r>
+          </a:p>
+          <a:p>
+            <a:r>
+              <a:rPr lang="zh-CN" altLang="en-US" dirty="0"/>
+              <a:t>故事</a:t>
+            </a:r>
+            <a:r>
+              <a:rPr lang="en-US" altLang="zh-CN" dirty="0"/>
+              <a:t>3</a:t>
+            </a:r>
+            <a:r>
+              <a:rPr lang="zh-CN" altLang="en-US" dirty="0"/>
+              <a:t>里面的反转到什么程度？</a:t>
+            </a:r>
+          </a:p>
+          <a:p>
+            <a:endParaRPr lang="zh-CN" altLang="en-US" dirty="0"/>
+          </a:p>
+        </p:txBody>
+      </p:sp>
+    </p:spTree>
+    <p:extLst>
+      <p:ext uri="{BB962C8B-B14F-4D97-AF65-F5344CB8AC3E}">
+        <p14:creationId xmlns:p14="http://schemas.microsoft.com/office/powerpoint/2010/main" val="1559889564"/>
       </p:ext>
     </p:extLst>
   </p:cSld>
